--- a/Figures/Figure_6/Figure_6.pptx
+++ b/Figures/Figure_6/Figure_6.pptx
@@ -197,7 +197,7 @@
           <a:p>
             <a:fld id="{ABD72DE5-B6EE-E147-A976-7400C289695F}" type="datetimeFigureOut">
               <a:rPr lang="en-US" smtClean="0"/>
-              <a:t>5/18/23</a:t>
+              <a:t>5/20/23</a:t>
             </a:fld>
             <a:endParaRPr lang="en-US"/>
           </a:p>
@@ -684,7 +684,7 @@
           <a:p>
             <a:fld id="{5829EFD3-DAAF-1A4D-98F0-A61E9156FD54}" type="datetimeFigureOut">
               <a:rPr lang="en-US" smtClean="0"/>
-              <a:t>5/18/23</a:t>
+              <a:t>5/20/23</a:t>
             </a:fld>
             <a:endParaRPr lang="en-US"/>
           </a:p>
@@ -854,7 +854,7 @@
           <a:p>
             <a:fld id="{5829EFD3-DAAF-1A4D-98F0-A61E9156FD54}" type="datetimeFigureOut">
               <a:rPr lang="en-US" smtClean="0"/>
-              <a:t>5/18/23</a:t>
+              <a:t>5/20/23</a:t>
             </a:fld>
             <a:endParaRPr lang="en-US"/>
           </a:p>
@@ -1034,7 +1034,7 @@
           <a:p>
             <a:fld id="{5829EFD3-DAAF-1A4D-98F0-A61E9156FD54}" type="datetimeFigureOut">
               <a:rPr lang="en-US" smtClean="0"/>
-              <a:t>5/18/23</a:t>
+              <a:t>5/20/23</a:t>
             </a:fld>
             <a:endParaRPr lang="en-US"/>
           </a:p>
@@ -1204,7 +1204,7 @@
           <a:p>
             <a:fld id="{5829EFD3-DAAF-1A4D-98F0-A61E9156FD54}" type="datetimeFigureOut">
               <a:rPr lang="en-US" smtClean="0"/>
-              <a:t>5/18/23</a:t>
+              <a:t>5/20/23</a:t>
             </a:fld>
             <a:endParaRPr lang="en-US"/>
           </a:p>
@@ -1448,7 +1448,7 @@
           <a:p>
             <a:fld id="{5829EFD3-DAAF-1A4D-98F0-A61E9156FD54}" type="datetimeFigureOut">
               <a:rPr lang="en-US" smtClean="0"/>
-              <a:t>5/18/23</a:t>
+              <a:t>5/20/23</a:t>
             </a:fld>
             <a:endParaRPr lang="en-US"/>
           </a:p>
@@ -1680,7 +1680,7 @@
           <a:p>
             <a:fld id="{5829EFD3-DAAF-1A4D-98F0-A61E9156FD54}" type="datetimeFigureOut">
               <a:rPr lang="en-US" smtClean="0"/>
-              <a:t>5/18/23</a:t>
+              <a:t>5/20/23</a:t>
             </a:fld>
             <a:endParaRPr lang="en-US"/>
           </a:p>
@@ -2047,7 +2047,7 @@
           <a:p>
             <a:fld id="{5829EFD3-DAAF-1A4D-98F0-A61E9156FD54}" type="datetimeFigureOut">
               <a:rPr lang="en-US" smtClean="0"/>
-              <a:t>5/18/23</a:t>
+              <a:t>5/20/23</a:t>
             </a:fld>
             <a:endParaRPr lang="en-US"/>
           </a:p>
@@ -2165,7 +2165,7 @@
           <a:p>
             <a:fld id="{5829EFD3-DAAF-1A4D-98F0-A61E9156FD54}" type="datetimeFigureOut">
               <a:rPr lang="en-US" smtClean="0"/>
-              <a:t>5/18/23</a:t>
+              <a:t>5/20/23</a:t>
             </a:fld>
             <a:endParaRPr lang="en-US"/>
           </a:p>
@@ -2260,7 +2260,7 @@
           <a:p>
             <a:fld id="{5829EFD3-DAAF-1A4D-98F0-A61E9156FD54}" type="datetimeFigureOut">
               <a:rPr lang="en-US" smtClean="0"/>
-              <a:t>5/18/23</a:t>
+              <a:t>5/20/23</a:t>
             </a:fld>
             <a:endParaRPr lang="en-US"/>
           </a:p>
@@ -2537,7 +2537,7 @@
           <a:p>
             <a:fld id="{5829EFD3-DAAF-1A4D-98F0-A61E9156FD54}" type="datetimeFigureOut">
               <a:rPr lang="en-US" smtClean="0"/>
-              <a:t>5/18/23</a:t>
+              <a:t>5/20/23</a:t>
             </a:fld>
             <a:endParaRPr lang="en-US"/>
           </a:p>
@@ -2794,7 +2794,7 @@
           <a:p>
             <a:fld id="{5829EFD3-DAAF-1A4D-98F0-A61E9156FD54}" type="datetimeFigureOut">
               <a:rPr lang="en-US" smtClean="0"/>
-              <a:t>5/18/23</a:t>
+              <a:t>5/20/23</a:t>
             </a:fld>
             <a:endParaRPr lang="en-US"/>
           </a:p>
@@ -3007,7 +3007,7 @@
           <a:p>
             <a:fld id="{5829EFD3-DAAF-1A4D-98F0-A61E9156FD54}" type="datetimeFigureOut">
               <a:rPr lang="en-US" smtClean="0"/>
-              <a:t>5/18/23</a:t>
+              <a:t>5/20/23</a:t>
             </a:fld>
             <a:endParaRPr lang="en-US"/>
           </a:p>
@@ -5033,66 +5033,6 @@
           </a:prstGeom>
         </p:spPr>
       </p:pic>
-      <p:pic>
-        <p:nvPicPr>
-          <p:cNvPr id="129" name="Picture 128" descr="Logo&#10;&#10;Description automatically generated">
-            <a:extLst>
-              <a:ext uri="{FF2B5EF4-FFF2-40B4-BE49-F238E27FC236}">
-                <a16:creationId xmlns:a16="http://schemas.microsoft.com/office/drawing/2014/main" id="{0BB2F7DC-56F6-4AB1-D678-DCF10FB043BB}"/>
-              </a:ext>
-            </a:extLst>
-          </p:cNvPr>
-          <p:cNvPicPr>
-            <a:picLocks noChangeAspect="1"/>
-          </p:cNvPicPr>
-          <p:nvPr/>
-        </p:nvPicPr>
-        <p:blipFill>
-          <a:blip r:embed="rId11"/>
-          <a:stretch>
-            <a:fillRect/>
-          </a:stretch>
-        </p:blipFill>
-        <p:spPr>
-          <a:xfrm>
-            <a:off x="4912642" y="23699418"/>
-            <a:ext cx="17815365" cy="3563073"/>
-          </a:xfrm>
-          <a:prstGeom prst="rect">
-            <a:avLst/>
-          </a:prstGeom>
-        </p:spPr>
-      </p:pic>
-      <p:pic>
-        <p:nvPicPr>
-          <p:cNvPr id="131" name="Picture 130" descr="Text, logo&#10;&#10;Description automatically generated">
-            <a:extLst>
-              <a:ext uri="{FF2B5EF4-FFF2-40B4-BE49-F238E27FC236}">
-                <a16:creationId xmlns:a16="http://schemas.microsoft.com/office/drawing/2014/main" id="{6549AE5B-680D-0719-CF2D-43DD750DFECF}"/>
-              </a:ext>
-            </a:extLst>
-          </p:cNvPr>
-          <p:cNvPicPr>
-            <a:picLocks noChangeAspect="1"/>
-          </p:cNvPicPr>
-          <p:nvPr/>
-        </p:nvPicPr>
-        <p:blipFill>
-          <a:blip r:embed="rId12"/>
-          <a:stretch>
-            <a:fillRect/>
-          </a:stretch>
-        </p:blipFill>
-        <p:spPr>
-          <a:xfrm>
-            <a:off x="22401298" y="23699419"/>
-            <a:ext cx="17815365" cy="3563073"/>
-          </a:xfrm>
-          <a:prstGeom prst="rect">
-            <a:avLst/>
-          </a:prstGeom>
-        </p:spPr>
-      </p:pic>
       <p:sp>
         <p:nvSpPr>
           <p:cNvPr id="135" name="TextBox 134">
@@ -5835,6 +5775,66 @@
           </a:p>
         </p:txBody>
       </p:sp>
+      <p:pic>
+        <p:nvPicPr>
+          <p:cNvPr id="3" name="Picture 2" descr="A picture containing screenshot, darkness, colorfulness, light&#10;&#10;Description automatically generated">
+            <a:extLst>
+              <a:ext uri="{FF2B5EF4-FFF2-40B4-BE49-F238E27FC236}">
+                <a16:creationId xmlns:a16="http://schemas.microsoft.com/office/drawing/2014/main" id="{7A9DA9DE-287E-4EE9-13DF-6BBFC5910F2E}"/>
+              </a:ext>
+            </a:extLst>
+          </p:cNvPr>
+          <p:cNvPicPr>
+            <a:picLocks noChangeAspect="1"/>
+          </p:cNvPicPr>
+          <p:nvPr/>
+        </p:nvPicPr>
+        <p:blipFill>
+          <a:blip r:embed="rId11"/>
+          <a:stretch>
+            <a:fillRect/>
+          </a:stretch>
+        </p:blipFill>
+        <p:spPr>
+          <a:xfrm>
+            <a:off x="22400146" y="23735670"/>
+            <a:ext cx="17815365" cy="3563073"/>
+          </a:xfrm>
+          <a:prstGeom prst="rect">
+            <a:avLst/>
+          </a:prstGeom>
+        </p:spPr>
+      </p:pic>
+      <p:pic>
+        <p:nvPicPr>
+          <p:cNvPr id="5" name="Picture 4" descr="A yellow and red letters on a black background&#10;&#10;Description automatically generated with low confidence">
+            <a:extLst>
+              <a:ext uri="{FF2B5EF4-FFF2-40B4-BE49-F238E27FC236}">
+                <a16:creationId xmlns:a16="http://schemas.microsoft.com/office/drawing/2014/main" id="{9D47A979-CE20-1E66-3D8F-3FBF0817E8D9}"/>
+              </a:ext>
+            </a:extLst>
+          </p:cNvPr>
+          <p:cNvPicPr>
+            <a:picLocks noChangeAspect="1"/>
+          </p:cNvPicPr>
+          <p:nvPr/>
+        </p:nvPicPr>
+        <p:blipFill>
+          <a:blip r:embed="rId12"/>
+          <a:stretch>
+            <a:fillRect/>
+          </a:stretch>
+        </p:blipFill>
+        <p:spPr>
+          <a:xfrm>
+            <a:off x="4906166" y="23764776"/>
+            <a:ext cx="17815365" cy="3563073"/>
+          </a:xfrm>
+          <a:prstGeom prst="rect">
+            <a:avLst/>
+          </a:prstGeom>
+        </p:spPr>
+      </p:pic>
     </p:spTree>
     <p:extLst>
       <p:ext uri="{BB962C8B-B14F-4D97-AF65-F5344CB8AC3E}">
